--- a/Board2.pptx
+++ b/Board2.pptx
@@ -8,6 +8,13 @@
     <p:sldId id="256" r:id="rId2"/>
     <p:sldId id="257" r:id="rId3"/>
     <p:sldId id="258" r:id="rId4"/>
+    <p:sldId id="259" r:id="rId5"/>
+    <p:sldId id="260" r:id="rId6"/>
+    <p:sldId id="261" r:id="rId7"/>
+    <p:sldId id="265" r:id="rId8"/>
+    <p:sldId id="262" r:id="rId9"/>
+    <p:sldId id="263" r:id="rId10"/>
+    <p:sldId id="264" r:id="rId11"/>
   </p:sldIdLst>
   <p:sldSz cx="12192000" cy="6858000"/>
   <p:notesSz cx="6858000" cy="9144000"/>
@@ -106,6 +113,11 @@
       </a:defRPr>
     </a:lvl9pPr>
   </p:defaultTextStyle>
+  <p:extLst>
+    <p:ext uri="{EFAFB233-063F-42B5-8137-9DF3F51BA10A}">
+      <p15:sldGuideLst xmlns:p15="http://schemas.microsoft.com/office/powerpoint/2012/main"/>
+    </p:ext>
+  </p:extLst>
 </p:presentation>
 </file>
 
@@ -3025,6 +3037,74 @@
 </p:sld>
 </file>
 
+<file path=ppt/slides/slide10.xml><?xml version="1.0" encoding="utf-8"?>
+<p:sld xmlns:a="http://schemas.openxmlformats.org/drawingml/2006/main" xmlns:r="http://schemas.openxmlformats.org/officeDocument/2006/relationships" xmlns:p="http://schemas.openxmlformats.org/presentationml/2006/main">
+  <p:cSld>
+    <p:spTree>
+      <p:nvGrpSpPr>
+        <p:cNvPr id="1" name=""/>
+        <p:cNvGrpSpPr/>
+        <p:nvPr/>
+      </p:nvGrpSpPr>
+      <p:grpSpPr>
+        <a:xfrm>
+          <a:off x="0" y="0"/>
+          <a:ext cx="0" cy="0"/>
+          <a:chOff x="0" y="0"/>
+          <a:chExt cx="0" cy="0"/>
+        </a:xfrm>
+      </p:grpSpPr>
+      <p:sp>
+        <p:nvSpPr>
+          <p:cNvPr id="4" name="TextBox 3"/>
+          <p:cNvSpPr txBox="1"/>
+          <p:nvPr/>
+        </p:nvSpPr>
+        <p:spPr>
+          <a:xfrm>
+            <a:off x="776835" y="736375"/>
+            <a:ext cx="2905041" cy="923330"/>
+          </a:xfrm>
+          <a:prstGeom prst="rect">
+            <a:avLst/>
+          </a:prstGeom>
+          <a:noFill/>
+        </p:spPr>
+        <p:txBody>
+          <a:bodyPr wrap="square" rtlCol="0">
+            <a:spAutoFit/>
+          </a:bodyPr>
+          <a:lstStyle/>
+          <a:p>
+            <a:r>
+              <a:rPr lang="en-US" dirty="0" smtClean="0"/>
+              <a:t>Study of </a:t>
+            </a:r>
+            <a:r>
+              <a:rPr lang="en-US" dirty="0" err="1" smtClean="0"/>
+              <a:t>tao</a:t>
+            </a:r>
+            <a:r>
+              <a:rPr lang="en-US" dirty="0" smtClean="0"/>
+              <a:t>, how long it takes for intensity to stabilize as function of temperature. </a:t>
+            </a:r>
+            <a:endParaRPr lang="en-GB" dirty="0"/>
+          </a:p>
+        </p:txBody>
+      </p:sp>
+    </p:spTree>
+    <p:extLst>
+      <p:ext uri="{BB962C8B-B14F-4D97-AF65-F5344CB8AC3E}">
+        <p14:creationId xmlns:p14="http://schemas.microsoft.com/office/powerpoint/2010/main" val="2766290565"/>
+      </p:ext>
+    </p:extLst>
+  </p:cSld>
+  <p:clrMapOvr>
+    <a:masterClrMapping/>
+  </p:clrMapOvr>
+</p:sld>
+</file>
+
 <file path=ppt/slides/slide2.xml><?xml version="1.0" encoding="utf-8"?>
 <p:sld xmlns:a="http://schemas.openxmlformats.org/drawingml/2006/main" xmlns:r="http://schemas.openxmlformats.org/officeDocument/2006/relationships" xmlns:p="http://schemas.openxmlformats.org/presentationml/2006/main">
   <p:cSld>
@@ -3113,7 +3193,7 @@
         </p:blipFill>
         <p:spPr>
           <a:xfrm>
-            <a:off x="297174" y="2189480"/>
+            <a:off x="129529" y="2572066"/>
             <a:ext cx="6431291" cy="2679704"/>
           </a:xfrm>
           <a:prstGeom prst="rect">
@@ -3232,7 +3312,7 @@
               <a:t> = 0,07591 + 1,7285 * </a:t>
             </a:r>
             <a:r>
-              <a:rPr lang="en-US" smtClean="0"/>
+              <a:rPr lang="en-US" dirty="0" err="1" smtClean="0"/>
               <a:t>Vmeas</a:t>
             </a:r>
             <a:endParaRPr lang="en-GB" dirty="0"/>
@@ -3269,10 +3349,839 @@
           <a:chExt cx="0" cy="0"/>
         </a:xfrm>
       </p:grpSpPr>
+      <p:sp>
+        <p:nvSpPr>
+          <p:cNvPr id="2" name="TextBox 1"/>
+          <p:cNvSpPr txBox="1"/>
+          <p:nvPr/>
+        </p:nvSpPr>
+        <p:spPr>
+          <a:xfrm>
+            <a:off x="482600" y="381000"/>
+            <a:ext cx="4724400" cy="369332"/>
+          </a:xfrm>
+          <a:prstGeom prst="rect">
+            <a:avLst/>
+          </a:prstGeom>
+          <a:noFill/>
+        </p:spPr>
+        <p:txBody>
+          <a:bodyPr wrap="square" rtlCol="0">
+            <a:spAutoFit/>
+          </a:bodyPr>
+          <a:lstStyle/>
+          <a:p>
+            <a:r>
+              <a:rPr lang="en-US" dirty="0" smtClean="0"/>
+              <a:t>Measurement1: </a:t>
+            </a:r>
+            <a:r>
+              <a:rPr lang="en-US" dirty="0" err="1" smtClean="0"/>
+              <a:t>WAu</a:t>
+            </a:r>
+            <a:r>
+              <a:rPr lang="en-US" dirty="0" smtClean="0"/>
+              <a:t> 40um Not vacuum</a:t>
+            </a:r>
+            <a:endParaRPr lang="en-GB" dirty="0"/>
+          </a:p>
+        </p:txBody>
+      </p:sp>
+      <p:pic>
+        <p:nvPicPr>
+          <p:cNvPr id="3" name="Picture 2"/>
+          <p:cNvPicPr>
+            <a:picLocks noChangeAspect="1"/>
+          </p:cNvPicPr>
+          <p:nvPr/>
+        </p:nvPicPr>
+        <p:blipFill>
+          <a:blip r:embed="rId2" cstate="print">
+            <a:extLst>
+              <a:ext uri="{28A0092B-C50C-407E-A947-70E740481C1C}">
+                <a14:useLocalDpi xmlns:a14="http://schemas.microsoft.com/office/drawing/2010/main" val="0"/>
+              </a:ext>
+            </a:extLst>
+          </a:blip>
+          <a:stretch>
+            <a:fillRect/>
+          </a:stretch>
+        </p:blipFill>
+        <p:spPr>
+          <a:xfrm>
+            <a:off x="625772" y="2698044"/>
+            <a:ext cx="4730545" cy="1971060"/>
+          </a:xfrm>
+          <a:prstGeom prst="rect">
+            <a:avLst/>
+          </a:prstGeom>
+        </p:spPr>
+      </p:pic>
+      <p:pic>
+        <p:nvPicPr>
+          <p:cNvPr id="4" name="Picture 3"/>
+          <p:cNvPicPr>
+            <a:picLocks noChangeAspect="1"/>
+          </p:cNvPicPr>
+          <p:nvPr/>
+        </p:nvPicPr>
+        <p:blipFill>
+          <a:blip r:embed="rId3" cstate="print">
+            <a:extLst>
+              <a:ext uri="{28A0092B-C50C-407E-A947-70E740481C1C}">
+                <a14:useLocalDpi xmlns:a14="http://schemas.microsoft.com/office/drawing/2010/main" val="0"/>
+              </a:ext>
+            </a:extLst>
+          </a:blip>
+          <a:stretch>
+            <a:fillRect/>
+          </a:stretch>
+        </p:blipFill>
+        <p:spPr>
+          <a:xfrm>
+            <a:off x="698600" y="750331"/>
+            <a:ext cx="4657717" cy="1940715"/>
+          </a:xfrm>
+          <a:prstGeom prst="rect">
+            <a:avLst/>
+          </a:prstGeom>
+        </p:spPr>
+      </p:pic>
+      <p:sp>
+        <p:nvSpPr>
+          <p:cNvPr id="5" name="TextBox 4"/>
+          <p:cNvSpPr txBox="1"/>
+          <p:nvPr/>
+        </p:nvSpPr>
+        <p:spPr>
+          <a:xfrm>
+            <a:off x="8755583" y="57834"/>
+            <a:ext cx="3762796" cy="646331"/>
+          </a:xfrm>
+          <a:prstGeom prst="rect">
+            <a:avLst/>
+          </a:prstGeom>
+          <a:noFill/>
+        </p:spPr>
+        <p:txBody>
+          <a:bodyPr wrap="square" rtlCol="0">
+            <a:spAutoFit/>
+          </a:bodyPr>
+          <a:lstStyle/>
+          <a:p>
+            <a:r>
+              <a:rPr lang="en-US" dirty="0" smtClean="0"/>
+              <a:t>From 10 mA to 390 mA: GV1GI1</a:t>
+            </a:r>
+          </a:p>
+          <a:p>
+            <a:r>
+              <a:rPr lang="en-US" dirty="0" smtClean="0"/>
+              <a:t>From 390 mA onwards: GV0GI0</a:t>
+            </a:r>
+            <a:endParaRPr lang="en-GB" dirty="0"/>
+          </a:p>
+        </p:txBody>
+      </p:sp>
+      <p:sp>
+        <p:nvSpPr>
+          <p:cNvPr id="6" name="TextBox 5"/>
+          <p:cNvSpPr txBox="1"/>
+          <p:nvPr/>
+        </p:nvSpPr>
+        <p:spPr>
+          <a:xfrm>
+            <a:off x="5523480" y="5226156"/>
+            <a:ext cx="3325827" cy="1200329"/>
+          </a:xfrm>
+          <a:prstGeom prst="rect">
+            <a:avLst/>
+          </a:prstGeom>
+          <a:noFill/>
+        </p:spPr>
+        <p:txBody>
+          <a:bodyPr wrap="square" rtlCol="0">
+            <a:spAutoFit/>
+          </a:bodyPr>
+          <a:lstStyle/>
+          <a:p>
+            <a:r>
+              <a:rPr lang="en-US" dirty="0" smtClean="0"/>
+              <a:t>Even if intensity is correctly given, results in voltage start to fluctuate, other elements in the circuit are getting very hot…. </a:t>
+            </a:r>
+            <a:endParaRPr lang="en-GB" dirty="0"/>
+          </a:p>
+        </p:txBody>
+      </p:sp>
+      <p:pic>
+        <p:nvPicPr>
+          <p:cNvPr id="8" name="Picture 7"/>
+          <p:cNvPicPr>
+            <a:picLocks noChangeAspect="1"/>
+          </p:cNvPicPr>
+          <p:nvPr/>
+        </p:nvPicPr>
+        <p:blipFill>
+          <a:blip r:embed="rId4" cstate="print">
+            <a:extLst>
+              <a:ext uri="{28A0092B-C50C-407E-A947-70E740481C1C}">
+                <a14:useLocalDpi xmlns:a14="http://schemas.microsoft.com/office/drawing/2010/main" val="0"/>
+              </a:ext>
+            </a:extLst>
+          </a:blip>
+          <a:stretch>
+            <a:fillRect/>
+          </a:stretch>
+        </p:blipFill>
+        <p:spPr>
+          <a:xfrm>
+            <a:off x="625772" y="4676102"/>
+            <a:ext cx="4897708" cy="2040711"/>
+          </a:xfrm>
+          <a:prstGeom prst="rect">
+            <a:avLst/>
+          </a:prstGeom>
+        </p:spPr>
+      </p:pic>
+      <p:pic>
+        <p:nvPicPr>
+          <p:cNvPr id="9" name="Picture 8"/>
+          <p:cNvPicPr>
+            <a:picLocks noChangeAspect="1"/>
+          </p:cNvPicPr>
+          <p:nvPr/>
+        </p:nvPicPr>
+        <p:blipFill rotWithShape="1">
+          <a:blip r:embed="rId5">
+            <a:extLst>
+              <a:ext uri="{28A0092B-C50C-407E-A947-70E740481C1C}">
+                <a14:useLocalDpi xmlns:a14="http://schemas.microsoft.com/office/drawing/2010/main" val="0"/>
+              </a:ext>
+            </a:extLst>
+          </a:blip>
+          <a:srcRect l="3863" t="9967" r="51363" b="47208"/>
+          <a:stretch/>
+        </p:blipFill>
+        <p:spPr>
+          <a:xfrm>
+            <a:off x="5207000" y="4104515"/>
+            <a:ext cx="2681105" cy="1068485"/>
+          </a:xfrm>
+          <a:prstGeom prst="rect">
+            <a:avLst/>
+          </a:prstGeom>
+        </p:spPr>
+      </p:pic>
+      <p:pic>
+        <p:nvPicPr>
+          <p:cNvPr id="10" name="Picture 9"/>
+          <p:cNvPicPr>
+            <a:picLocks noChangeAspect="1"/>
+          </p:cNvPicPr>
+          <p:nvPr/>
+        </p:nvPicPr>
+        <p:blipFill rotWithShape="1">
+          <a:blip r:embed="rId6">
+            <a:extLst>
+              <a:ext uri="{28A0092B-C50C-407E-A947-70E740481C1C}">
+                <a14:useLocalDpi xmlns:a14="http://schemas.microsoft.com/office/drawing/2010/main" val="0"/>
+              </a:ext>
+            </a:extLst>
+          </a:blip>
+          <a:srcRect r="33341"/>
+          <a:stretch/>
+        </p:blipFill>
+        <p:spPr>
+          <a:xfrm>
+            <a:off x="5769335" y="704165"/>
+            <a:ext cx="5349122" cy="3343588"/>
+          </a:xfrm>
+          <a:prstGeom prst="rect">
+            <a:avLst/>
+          </a:prstGeom>
+        </p:spPr>
+      </p:pic>
+      <p:pic>
+        <p:nvPicPr>
+          <p:cNvPr id="12" name="Picture 11"/>
+          <p:cNvPicPr>
+            <a:picLocks noChangeAspect="1"/>
+          </p:cNvPicPr>
+          <p:nvPr/>
+        </p:nvPicPr>
+        <p:blipFill rotWithShape="1">
+          <a:blip r:embed="rId6">
+            <a:extLst>
+              <a:ext uri="{28A0092B-C50C-407E-A947-70E740481C1C}">
+                <a14:useLocalDpi xmlns:a14="http://schemas.microsoft.com/office/drawing/2010/main" val="0"/>
+              </a:ext>
+            </a:extLst>
+          </a:blip>
+          <a:srcRect l="66586"/>
+          <a:stretch/>
+        </p:blipFill>
+        <p:spPr>
+          <a:xfrm>
+            <a:off x="9615784" y="4047753"/>
+            <a:ext cx="2079838" cy="2593546"/>
+          </a:xfrm>
+          <a:prstGeom prst="rect">
+            <a:avLst/>
+          </a:prstGeom>
+        </p:spPr>
+      </p:pic>
     </p:spTree>
     <p:extLst>
       <p:ext uri="{BB962C8B-B14F-4D97-AF65-F5344CB8AC3E}">
         <p14:creationId xmlns:p14="http://schemas.microsoft.com/office/powerpoint/2010/main" val="1135462274"/>
+      </p:ext>
+    </p:extLst>
+  </p:cSld>
+  <p:clrMapOvr>
+    <a:masterClrMapping/>
+  </p:clrMapOvr>
+</p:sld>
+</file>
+
+<file path=ppt/slides/slide4.xml><?xml version="1.0" encoding="utf-8"?>
+<p:sld xmlns:a="http://schemas.openxmlformats.org/drawingml/2006/main" xmlns:r="http://schemas.openxmlformats.org/officeDocument/2006/relationships" xmlns:p="http://schemas.openxmlformats.org/presentationml/2006/main">
+  <p:cSld>
+    <p:spTree>
+      <p:nvGrpSpPr>
+        <p:cNvPr id="1" name=""/>
+        <p:cNvGrpSpPr/>
+        <p:nvPr/>
+      </p:nvGrpSpPr>
+      <p:grpSpPr>
+        <a:xfrm>
+          <a:off x="0" y="0"/>
+          <a:ext cx="0" cy="0"/>
+          <a:chOff x="0" y="0"/>
+          <a:chExt cx="0" cy="0"/>
+        </a:xfrm>
+      </p:grpSpPr>
+      <p:sp>
+        <p:nvSpPr>
+          <p:cNvPr id="4" name="TextBox 3"/>
+          <p:cNvSpPr txBox="1"/>
+          <p:nvPr/>
+        </p:nvSpPr>
+        <p:spPr>
+          <a:xfrm>
+            <a:off x="482600" y="381000"/>
+            <a:ext cx="4724400" cy="369332"/>
+          </a:xfrm>
+          <a:prstGeom prst="rect">
+            <a:avLst/>
+          </a:prstGeom>
+          <a:noFill/>
+        </p:spPr>
+        <p:txBody>
+          <a:bodyPr wrap="square" rtlCol="0">
+            <a:spAutoFit/>
+          </a:bodyPr>
+          <a:lstStyle/>
+          <a:p>
+            <a:r>
+              <a:rPr lang="en-US" dirty="0" smtClean="0"/>
+              <a:t>Measurement1: </a:t>
+            </a:r>
+            <a:r>
+              <a:rPr lang="en-US" dirty="0" err="1" smtClean="0"/>
+              <a:t>WAu</a:t>
+            </a:r>
+            <a:r>
+              <a:rPr lang="en-US" dirty="0" smtClean="0"/>
+              <a:t> 40um Not vacuum</a:t>
+            </a:r>
+            <a:endParaRPr lang="en-GB" dirty="0"/>
+          </a:p>
+        </p:txBody>
+      </p:sp>
+      <p:sp>
+        <p:nvSpPr>
+          <p:cNvPr id="5" name="TextBox 4"/>
+          <p:cNvSpPr txBox="1"/>
+          <p:nvPr/>
+        </p:nvSpPr>
+        <p:spPr>
+          <a:xfrm>
+            <a:off x="655455" y="1343278"/>
+            <a:ext cx="4232134" cy="369332"/>
+          </a:xfrm>
+          <a:prstGeom prst="rect">
+            <a:avLst/>
+          </a:prstGeom>
+          <a:noFill/>
+        </p:spPr>
+        <p:txBody>
+          <a:bodyPr wrap="square" rtlCol="0">
+            <a:spAutoFit/>
+          </a:bodyPr>
+          <a:lstStyle/>
+          <a:p>
+            <a:r>
+              <a:rPr lang="en-US" dirty="0" smtClean="0"/>
+              <a:t>Plot of Literature R/R0 vs T</a:t>
+            </a:r>
+            <a:endParaRPr lang="en-GB" dirty="0"/>
+          </a:p>
+        </p:txBody>
+      </p:sp>
+      <p:sp>
+        <p:nvSpPr>
+          <p:cNvPr id="6" name="TextBox 5"/>
+          <p:cNvSpPr txBox="1"/>
+          <p:nvPr/>
+        </p:nvSpPr>
+        <p:spPr>
+          <a:xfrm>
+            <a:off x="482600" y="4586836"/>
+            <a:ext cx="2673294" cy="646331"/>
+          </a:xfrm>
+          <a:prstGeom prst="rect">
+            <a:avLst/>
+          </a:prstGeom>
+          <a:noFill/>
+        </p:spPr>
+        <p:txBody>
+          <a:bodyPr wrap="square" rtlCol="0">
+            <a:spAutoFit/>
+          </a:bodyPr>
+          <a:lstStyle/>
+          <a:p>
+            <a:r>
+              <a:rPr lang="en-US" dirty="0" smtClean="0"/>
+              <a:t>Calculation of R0 with our </a:t>
+            </a:r>
+            <a:r>
+              <a:rPr lang="en-US" dirty="0" err="1" smtClean="0"/>
+              <a:t>measuremetns</a:t>
+            </a:r>
+            <a:r>
+              <a:rPr lang="en-US" dirty="0" smtClean="0"/>
+              <a:t>. </a:t>
+            </a:r>
+            <a:endParaRPr lang="en-GB" dirty="0"/>
+          </a:p>
+        </p:txBody>
+      </p:sp>
+      <p:sp>
+        <p:nvSpPr>
+          <p:cNvPr id="7" name="TextBox 6"/>
+          <p:cNvSpPr txBox="1"/>
+          <p:nvPr/>
+        </p:nvSpPr>
+        <p:spPr>
+          <a:xfrm>
+            <a:off x="4203587" y="4586836"/>
+            <a:ext cx="4232134" cy="369332"/>
+          </a:xfrm>
+          <a:prstGeom prst="rect">
+            <a:avLst/>
+          </a:prstGeom>
+          <a:noFill/>
+        </p:spPr>
+        <p:txBody>
+          <a:bodyPr wrap="square" rtlCol="0">
+            <a:spAutoFit/>
+          </a:bodyPr>
+          <a:lstStyle/>
+          <a:p>
+            <a:r>
+              <a:rPr lang="en-US" dirty="0" smtClean="0"/>
+              <a:t>Plot of R/R0 vs I</a:t>
+            </a:r>
+            <a:endParaRPr lang="en-GB" dirty="0"/>
+          </a:p>
+        </p:txBody>
+      </p:sp>
+      <p:sp>
+        <p:nvSpPr>
+          <p:cNvPr id="8" name="TextBox 7"/>
+          <p:cNvSpPr txBox="1"/>
+          <p:nvPr/>
+        </p:nvSpPr>
+        <p:spPr>
+          <a:xfrm>
+            <a:off x="7279911" y="2871324"/>
+            <a:ext cx="4232134" cy="369332"/>
+          </a:xfrm>
+          <a:prstGeom prst="rect">
+            <a:avLst/>
+          </a:prstGeom>
+          <a:noFill/>
+        </p:spPr>
+        <p:txBody>
+          <a:bodyPr wrap="square" rtlCol="0">
+            <a:spAutoFit/>
+          </a:bodyPr>
+          <a:lstStyle/>
+          <a:p>
+            <a:r>
+              <a:rPr lang="en-US" dirty="0" smtClean="0"/>
+              <a:t>Plot </a:t>
+            </a:r>
+            <a:r>
+              <a:rPr lang="en-US" dirty="0" err="1" smtClean="0"/>
+              <a:t>Imeas</a:t>
+            </a:r>
+            <a:r>
+              <a:rPr lang="en-US" dirty="0" smtClean="0"/>
+              <a:t> vs Temperature. </a:t>
+            </a:r>
+            <a:endParaRPr lang="en-GB" dirty="0"/>
+          </a:p>
+        </p:txBody>
+      </p:sp>
+    </p:spTree>
+    <p:extLst>
+      <p:ext uri="{BB962C8B-B14F-4D97-AF65-F5344CB8AC3E}">
+        <p14:creationId xmlns:p14="http://schemas.microsoft.com/office/powerpoint/2010/main" val="937473236"/>
+      </p:ext>
+    </p:extLst>
+  </p:cSld>
+  <p:clrMapOvr>
+    <a:masterClrMapping/>
+  </p:clrMapOvr>
+</p:sld>
+</file>
+
+<file path=ppt/slides/slide5.xml><?xml version="1.0" encoding="utf-8"?>
+<p:sld xmlns:a="http://schemas.openxmlformats.org/drawingml/2006/main" xmlns:r="http://schemas.openxmlformats.org/officeDocument/2006/relationships" xmlns:p="http://schemas.openxmlformats.org/presentationml/2006/main">
+  <p:cSld>
+    <p:spTree>
+      <p:nvGrpSpPr>
+        <p:cNvPr id="1" name=""/>
+        <p:cNvGrpSpPr/>
+        <p:nvPr/>
+      </p:nvGrpSpPr>
+      <p:grpSpPr>
+        <a:xfrm>
+          <a:off x="0" y="0"/>
+          <a:ext cx="0" cy="0"/>
+          <a:chOff x="0" y="0"/>
+          <a:chExt cx="0" cy="0"/>
+        </a:xfrm>
+      </p:grpSpPr>
+      <p:sp>
+        <p:nvSpPr>
+          <p:cNvPr id="4" name="TextBox 3"/>
+          <p:cNvSpPr txBox="1"/>
+          <p:nvPr/>
+        </p:nvSpPr>
+        <p:spPr>
+          <a:xfrm>
+            <a:off x="482600" y="381000"/>
+            <a:ext cx="4724400" cy="369332"/>
+          </a:xfrm>
+          <a:prstGeom prst="rect">
+            <a:avLst/>
+          </a:prstGeom>
+          <a:noFill/>
+        </p:spPr>
+        <p:txBody>
+          <a:bodyPr wrap="square" rtlCol="0">
+            <a:spAutoFit/>
+          </a:bodyPr>
+          <a:lstStyle/>
+          <a:p>
+            <a:r>
+              <a:rPr lang="en-US" dirty="0" smtClean="0"/>
+              <a:t>Measurement2: </a:t>
+            </a:r>
+            <a:r>
+              <a:rPr lang="en-US" dirty="0" err="1" smtClean="0"/>
+              <a:t>WAu</a:t>
+            </a:r>
+            <a:r>
+              <a:rPr lang="en-US" dirty="0" smtClean="0"/>
+              <a:t> 40um vacuum</a:t>
+            </a:r>
+            <a:endParaRPr lang="en-GB" dirty="0"/>
+          </a:p>
+        </p:txBody>
+      </p:sp>
+    </p:spTree>
+    <p:extLst>
+      <p:ext uri="{BB962C8B-B14F-4D97-AF65-F5344CB8AC3E}">
+        <p14:creationId xmlns:p14="http://schemas.microsoft.com/office/powerpoint/2010/main" val="1888568430"/>
+      </p:ext>
+    </p:extLst>
+  </p:cSld>
+  <p:clrMapOvr>
+    <a:masterClrMapping/>
+  </p:clrMapOvr>
+</p:sld>
+</file>
+
+<file path=ppt/slides/slide6.xml><?xml version="1.0" encoding="utf-8"?>
+<p:sld xmlns:a="http://schemas.openxmlformats.org/drawingml/2006/main" xmlns:r="http://schemas.openxmlformats.org/officeDocument/2006/relationships" xmlns:p="http://schemas.openxmlformats.org/presentationml/2006/main">
+  <p:cSld>
+    <p:spTree>
+      <p:nvGrpSpPr>
+        <p:cNvPr id="1" name=""/>
+        <p:cNvGrpSpPr/>
+        <p:nvPr/>
+      </p:nvGrpSpPr>
+      <p:grpSpPr>
+        <a:xfrm>
+          <a:off x="0" y="0"/>
+          <a:ext cx="0" cy="0"/>
+          <a:chOff x="0" y="0"/>
+          <a:chExt cx="0" cy="0"/>
+        </a:xfrm>
+      </p:grpSpPr>
+      <p:sp>
+        <p:nvSpPr>
+          <p:cNvPr id="4" name="TextBox 3"/>
+          <p:cNvSpPr txBox="1"/>
+          <p:nvPr/>
+        </p:nvSpPr>
+        <p:spPr>
+          <a:xfrm>
+            <a:off x="482600" y="381000"/>
+            <a:ext cx="4724400" cy="369332"/>
+          </a:xfrm>
+          <a:prstGeom prst="rect">
+            <a:avLst/>
+          </a:prstGeom>
+          <a:noFill/>
+        </p:spPr>
+        <p:txBody>
+          <a:bodyPr wrap="square" rtlCol="0">
+            <a:spAutoFit/>
+          </a:bodyPr>
+          <a:lstStyle/>
+          <a:p>
+            <a:r>
+              <a:rPr lang="en-US" dirty="0" smtClean="0"/>
+              <a:t>Measurement2: </a:t>
+            </a:r>
+            <a:r>
+              <a:rPr lang="en-US" dirty="0" err="1" smtClean="0"/>
+              <a:t>WAu</a:t>
+            </a:r>
+            <a:r>
+              <a:rPr lang="en-US" dirty="0" smtClean="0"/>
+              <a:t> 40um vacuum</a:t>
+            </a:r>
+            <a:endParaRPr lang="en-GB" dirty="0"/>
+          </a:p>
+        </p:txBody>
+      </p:sp>
+    </p:spTree>
+    <p:extLst>
+      <p:ext uri="{BB962C8B-B14F-4D97-AF65-F5344CB8AC3E}">
+        <p14:creationId xmlns:p14="http://schemas.microsoft.com/office/powerpoint/2010/main" val="2927062195"/>
+      </p:ext>
+    </p:extLst>
+  </p:cSld>
+  <p:clrMapOvr>
+    <a:masterClrMapping/>
+  </p:clrMapOvr>
+</p:sld>
+</file>
+
+<file path=ppt/slides/slide7.xml><?xml version="1.0" encoding="utf-8"?>
+<p:sld xmlns:a="http://schemas.openxmlformats.org/drawingml/2006/main" xmlns:r="http://schemas.openxmlformats.org/officeDocument/2006/relationships" xmlns:p="http://schemas.openxmlformats.org/presentationml/2006/main">
+  <p:cSld>
+    <p:spTree>
+      <p:nvGrpSpPr>
+        <p:cNvPr id="1" name=""/>
+        <p:cNvGrpSpPr/>
+        <p:nvPr/>
+      </p:nvGrpSpPr>
+      <p:grpSpPr>
+        <a:xfrm>
+          <a:off x="0" y="0"/>
+          <a:ext cx="0" cy="0"/>
+          <a:chOff x="0" y="0"/>
+          <a:chExt cx="0" cy="0"/>
+        </a:xfrm>
+      </p:grpSpPr>
+      <p:sp>
+        <p:nvSpPr>
+          <p:cNvPr id="4" name="TextBox 3"/>
+          <p:cNvSpPr txBox="1"/>
+          <p:nvPr/>
+        </p:nvSpPr>
+        <p:spPr>
+          <a:xfrm>
+            <a:off x="482600" y="381000"/>
+            <a:ext cx="4724400" cy="369332"/>
+          </a:xfrm>
+          <a:prstGeom prst="rect">
+            <a:avLst/>
+          </a:prstGeom>
+          <a:noFill/>
+        </p:spPr>
+        <p:txBody>
+          <a:bodyPr wrap="square" rtlCol="0">
+            <a:spAutoFit/>
+          </a:bodyPr>
+          <a:lstStyle/>
+          <a:p>
+            <a:r>
+              <a:rPr lang="en-US" dirty="0" smtClean="0"/>
+              <a:t>Measurement3: </a:t>
+            </a:r>
+            <a:r>
+              <a:rPr lang="en-US" dirty="0" err="1" smtClean="0"/>
+              <a:t>WAu</a:t>
+            </a:r>
+            <a:r>
+              <a:rPr lang="en-US" dirty="0" smtClean="0"/>
+              <a:t> 100um No vacuum</a:t>
+            </a:r>
+            <a:endParaRPr lang="en-GB" dirty="0"/>
+          </a:p>
+        </p:txBody>
+      </p:sp>
+    </p:spTree>
+    <p:extLst>
+      <p:ext uri="{BB962C8B-B14F-4D97-AF65-F5344CB8AC3E}">
+        <p14:creationId xmlns:p14="http://schemas.microsoft.com/office/powerpoint/2010/main" val="1535180691"/>
+      </p:ext>
+    </p:extLst>
+  </p:cSld>
+  <p:clrMapOvr>
+    <a:masterClrMapping/>
+  </p:clrMapOvr>
+</p:sld>
+</file>
+
+<file path=ppt/slides/slide8.xml><?xml version="1.0" encoding="utf-8"?>
+<p:sld xmlns:a="http://schemas.openxmlformats.org/drawingml/2006/main" xmlns:r="http://schemas.openxmlformats.org/officeDocument/2006/relationships" xmlns:p="http://schemas.openxmlformats.org/presentationml/2006/main">
+  <p:cSld>
+    <p:spTree>
+      <p:nvGrpSpPr>
+        <p:cNvPr id="1" name=""/>
+        <p:cNvGrpSpPr/>
+        <p:nvPr/>
+      </p:nvGrpSpPr>
+      <p:grpSpPr>
+        <a:xfrm>
+          <a:off x="0" y="0"/>
+          <a:ext cx="0" cy="0"/>
+          <a:chOff x="0" y="0"/>
+          <a:chExt cx="0" cy="0"/>
+        </a:xfrm>
+      </p:grpSpPr>
+      <p:sp>
+        <p:nvSpPr>
+          <p:cNvPr id="4" name="TextBox 3"/>
+          <p:cNvSpPr txBox="1"/>
+          <p:nvPr/>
+        </p:nvSpPr>
+        <p:spPr>
+          <a:xfrm>
+            <a:off x="962951" y="671639"/>
+            <a:ext cx="7905919" cy="1477328"/>
+          </a:xfrm>
+          <a:prstGeom prst="rect">
+            <a:avLst/>
+          </a:prstGeom>
+          <a:noFill/>
+        </p:spPr>
+        <p:txBody>
+          <a:bodyPr wrap="square" rtlCol="0">
+            <a:spAutoFit/>
+          </a:bodyPr>
+          <a:lstStyle/>
+          <a:p>
+            <a:r>
+              <a:rPr lang="en-US" dirty="0" smtClean="0"/>
+              <a:t>To do the same with the rest of the Materials. </a:t>
+            </a:r>
+          </a:p>
+          <a:p>
+            <a:r>
+              <a:rPr lang="en-US" dirty="0" smtClean="0"/>
+              <a:t>Carbon (Try) </a:t>
+            </a:r>
+          </a:p>
+          <a:p>
+            <a:r>
+              <a:rPr lang="en-US" dirty="0" smtClean="0"/>
+              <a:t>Tungsten (No gold) </a:t>
+            </a:r>
+          </a:p>
+          <a:p>
+            <a:endParaRPr lang="en-US" dirty="0"/>
+          </a:p>
+          <a:p>
+            <a:r>
+              <a:rPr lang="en-US" dirty="0" smtClean="0"/>
+              <a:t>And the different radiuses if possible. </a:t>
+            </a:r>
+            <a:endParaRPr lang="en-GB" dirty="0"/>
+          </a:p>
+        </p:txBody>
+      </p:sp>
+    </p:spTree>
+    <p:extLst>
+      <p:ext uri="{BB962C8B-B14F-4D97-AF65-F5344CB8AC3E}">
+        <p14:creationId xmlns:p14="http://schemas.microsoft.com/office/powerpoint/2010/main" val="1223500330"/>
+      </p:ext>
+    </p:extLst>
+  </p:cSld>
+  <p:clrMapOvr>
+    <a:masterClrMapping/>
+  </p:clrMapOvr>
+</p:sld>
+</file>
+
+<file path=ppt/slides/slide9.xml><?xml version="1.0" encoding="utf-8"?>
+<p:sld xmlns:a="http://schemas.openxmlformats.org/drawingml/2006/main" xmlns:r="http://schemas.openxmlformats.org/officeDocument/2006/relationships" xmlns:p="http://schemas.openxmlformats.org/presentationml/2006/main">
+  <p:cSld>
+    <p:spTree>
+      <p:nvGrpSpPr>
+        <p:cNvPr id="1" name=""/>
+        <p:cNvGrpSpPr/>
+        <p:nvPr/>
+      </p:nvGrpSpPr>
+      <p:grpSpPr>
+        <a:xfrm>
+          <a:off x="0" y="0"/>
+          <a:ext cx="0" cy="0"/>
+          <a:chOff x="0" y="0"/>
+          <a:chExt cx="0" cy="0"/>
+        </a:xfrm>
+      </p:grpSpPr>
+      <p:sp>
+        <p:nvSpPr>
+          <p:cNvPr id="4" name="TextBox 3"/>
+          <p:cNvSpPr txBox="1"/>
+          <p:nvPr/>
+        </p:nvSpPr>
+        <p:spPr>
+          <a:xfrm>
+            <a:off x="598811" y="566443"/>
+            <a:ext cx="8116312" cy="369332"/>
+          </a:xfrm>
+          <a:prstGeom prst="rect">
+            <a:avLst/>
+          </a:prstGeom>
+          <a:noFill/>
+        </p:spPr>
+        <p:txBody>
+          <a:bodyPr wrap="square" rtlCol="0">
+            <a:spAutoFit/>
+          </a:bodyPr>
+          <a:lstStyle/>
+          <a:p>
+            <a:r>
+              <a:rPr lang="en-US" dirty="0" smtClean="0"/>
+              <a:t>Effects of vacuum in measurements: Convection and Oxidation</a:t>
+            </a:r>
+          </a:p>
+        </p:txBody>
+      </p:sp>
+    </p:spTree>
+    <p:extLst>
+      <p:ext uri="{BB962C8B-B14F-4D97-AF65-F5344CB8AC3E}">
+        <p14:creationId xmlns:p14="http://schemas.microsoft.com/office/powerpoint/2010/main" val="3881613605"/>
       </p:ext>
     </p:extLst>
   </p:cSld>

--- a/Board2.pptx
+++ b/Board2.pptx
@@ -9,12 +9,10 @@
     <p:sldId id="257" r:id="rId3"/>
     <p:sldId id="258" r:id="rId4"/>
     <p:sldId id="259" r:id="rId5"/>
-    <p:sldId id="260" r:id="rId6"/>
-    <p:sldId id="261" r:id="rId7"/>
-    <p:sldId id="265" r:id="rId8"/>
-    <p:sldId id="262" r:id="rId9"/>
-    <p:sldId id="263" r:id="rId10"/>
-    <p:sldId id="264" r:id="rId11"/>
+    <p:sldId id="265" r:id="rId6"/>
+    <p:sldId id="262" r:id="rId7"/>
+    <p:sldId id="263" r:id="rId8"/>
+    <p:sldId id="264" r:id="rId9"/>
   </p:sldIdLst>
   <p:sldSz cx="12192000" cy="6858000"/>
   <p:notesSz cx="6858000" cy="9144000"/>
@@ -252,7 +250,7 @@
           <a:p>
             <a:fld id="{4A2DCAF1-63DE-49EA-84AA-202C94EB01D5}" type="datetimeFigureOut">
               <a:rPr lang="en-GB" smtClean="0"/>
-              <a:t>17/12/2021</a:t>
+              <a:t>10/01/2022</a:t>
             </a:fld>
             <a:endParaRPr lang="en-GB"/>
           </a:p>
@@ -422,7 +420,7 @@
           <a:p>
             <a:fld id="{4A2DCAF1-63DE-49EA-84AA-202C94EB01D5}" type="datetimeFigureOut">
               <a:rPr lang="en-GB" smtClean="0"/>
-              <a:t>17/12/2021</a:t>
+              <a:t>10/01/2022</a:t>
             </a:fld>
             <a:endParaRPr lang="en-GB"/>
           </a:p>
@@ -602,7 +600,7 @@
           <a:p>
             <a:fld id="{4A2DCAF1-63DE-49EA-84AA-202C94EB01D5}" type="datetimeFigureOut">
               <a:rPr lang="en-GB" smtClean="0"/>
-              <a:t>17/12/2021</a:t>
+              <a:t>10/01/2022</a:t>
             </a:fld>
             <a:endParaRPr lang="en-GB"/>
           </a:p>
@@ -772,7 +770,7 @@
           <a:p>
             <a:fld id="{4A2DCAF1-63DE-49EA-84AA-202C94EB01D5}" type="datetimeFigureOut">
               <a:rPr lang="en-GB" smtClean="0"/>
-              <a:t>17/12/2021</a:t>
+              <a:t>10/01/2022</a:t>
             </a:fld>
             <a:endParaRPr lang="en-GB"/>
           </a:p>
@@ -1018,7 +1016,7 @@
           <a:p>
             <a:fld id="{4A2DCAF1-63DE-49EA-84AA-202C94EB01D5}" type="datetimeFigureOut">
               <a:rPr lang="en-GB" smtClean="0"/>
-              <a:t>17/12/2021</a:t>
+              <a:t>10/01/2022</a:t>
             </a:fld>
             <a:endParaRPr lang="en-GB"/>
           </a:p>
@@ -1250,7 +1248,7 @@
           <a:p>
             <a:fld id="{4A2DCAF1-63DE-49EA-84AA-202C94EB01D5}" type="datetimeFigureOut">
               <a:rPr lang="en-GB" smtClean="0"/>
-              <a:t>17/12/2021</a:t>
+              <a:t>10/01/2022</a:t>
             </a:fld>
             <a:endParaRPr lang="en-GB"/>
           </a:p>
@@ -1617,7 +1615,7 @@
           <a:p>
             <a:fld id="{4A2DCAF1-63DE-49EA-84AA-202C94EB01D5}" type="datetimeFigureOut">
               <a:rPr lang="en-GB" smtClean="0"/>
-              <a:t>17/12/2021</a:t>
+              <a:t>10/01/2022</a:t>
             </a:fld>
             <a:endParaRPr lang="en-GB"/>
           </a:p>
@@ -1735,7 +1733,7 @@
           <a:p>
             <a:fld id="{4A2DCAF1-63DE-49EA-84AA-202C94EB01D5}" type="datetimeFigureOut">
               <a:rPr lang="en-GB" smtClean="0"/>
-              <a:t>17/12/2021</a:t>
+              <a:t>10/01/2022</a:t>
             </a:fld>
             <a:endParaRPr lang="en-GB"/>
           </a:p>
@@ -1830,7 +1828,7 @@
           <a:p>
             <a:fld id="{4A2DCAF1-63DE-49EA-84AA-202C94EB01D5}" type="datetimeFigureOut">
               <a:rPr lang="en-GB" smtClean="0"/>
-              <a:t>17/12/2021</a:t>
+              <a:t>10/01/2022</a:t>
             </a:fld>
             <a:endParaRPr lang="en-GB"/>
           </a:p>
@@ -2107,7 +2105,7 @@
           <a:p>
             <a:fld id="{4A2DCAF1-63DE-49EA-84AA-202C94EB01D5}" type="datetimeFigureOut">
               <a:rPr lang="en-GB" smtClean="0"/>
-              <a:t>17/12/2021</a:t>
+              <a:t>10/01/2022</a:t>
             </a:fld>
             <a:endParaRPr lang="en-GB"/>
           </a:p>
@@ -2360,7 +2358,7 @@
           <a:p>
             <a:fld id="{4A2DCAF1-63DE-49EA-84AA-202C94EB01D5}" type="datetimeFigureOut">
               <a:rPr lang="en-GB" smtClean="0"/>
-              <a:t>17/12/2021</a:t>
+              <a:t>10/01/2022</a:t>
             </a:fld>
             <a:endParaRPr lang="en-GB"/>
           </a:p>
@@ -2573,7 +2571,7 @@
           <a:p>
             <a:fld id="{4A2DCAF1-63DE-49EA-84AA-202C94EB01D5}" type="datetimeFigureOut">
               <a:rPr lang="en-GB" smtClean="0"/>
-              <a:t>17/12/2021</a:t>
+              <a:t>10/01/2022</a:t>
             </a:fld>
             <a:endParaRPr lang="en-GB"/>
           </a:p>
@@ -3037,74 +3035,6 @@
 </p:sld>
 </file>
 
-<file path=ppt/slides/slide10.xml><?xml version="1.0" encoding="utf-8"?>
-<p:sld xmlns:a="http://schemas.openxmlformats.org/drawingml/2006/main" xmlns:r="http://schemas.openxmlformats.org/officeDocument/2006/relationships" xmlns:p="http://schemas.openxmlformats.org/presentationml/2006/main">
-  <p:cSld>
-    <p:spTree>
-      <p:nvGrpSpPr>
-        <p:cNvPr id="1" name=""/>
-        <p:cNvGrpSpPr/>
-        <p:nvPr/>
-      </p:nvGrpSpPr>
-      <p:grpSpPr>
-        <a:xfrm>
-          <a:off x="0" y="0"/>
-          <a:ext cx="0" cy="0"/>
-          <a:chOff x="0" y="0"/>
-          <a:chExt cx="0" cy="0"/>
-        </a:xfrm>
-      </p:grpSpPr>
-      <p:sp>
-        <p:nvSpPr>
-          <p:cNvPr id="4" name="TextBox 3"/>
-          <p:cNvSpPr txBox="1"/>
-          <p:nvPr/>
-        </p:nvSpPr>
-        <p:spPr>
-          <a:xfrm>
-            <a:off x="776835" y="736375"/>
-            <a:ext cx="2905041" cy="923330"/>
-          </a:xfrm>
-          <a:prstGeom prst="rect">
-            <a:avLst/>
-          </a:prstGeom>
-          <a:noFill/>
-        </p:spPr>
-        <p:txBody>
-          <a:bodyPr wrap="square" rtlCol="0">
-            <a:spAutoFit/>
-          </a:bodyPr>
-          <a:lstStyle/>
-          <a:p>
-            <a:r>
-              <a:rPr lang="en-US" dirty="0" smtClean="0"/>
-              <a:t>Study of </a:t>
-            </a:r>
-            <a:r>
-              <a:rPr lang="en-US" dirty="0" err="1" smtClean="0"/>
-              <a:t>tao</a:t>
-            </a:r>
-            <a:r>
-              <a:rPr lang="en-US" dirty="0" smtClean="0"/>
-              <a:t>, how long it takes for intensity to stabilize as function of temperature. </a:t>
-            </a:r>
-            <a:endParaRPr lang="en-GB" dirty="0"/>
-          </a:p>
-        </p:txBody>
-      </p:sp>
-    </p:spTree>
-    <p:extLst>
-      <p:ext uri="{BB962C8B-B14F-4D97-AF65-F5344CB8AC3E}">
-        <p14:creationId xmlns:p14="http://schemas.microsoft.com/office/powerpoint/2010/main" val="2766290565"/>
-      </p:ext>
-    </p:extLst>
-  </p:cSld>
-  <p:clrMapOvr>
-    <a:masterClrMapping/>
-  </p:clrMapOvr>
-</p:sld>
-</file>
-
 <file path=ppt/slides/slide2.xml><?xml version="1.0" encoding="utf-8"?>
 <p:sld xmlns:a="http://schemas.openxmlformats.org/drawingml/2006/main" xmlns:r="http://schemas.openxmlformats.org/officeDocument/2006/relationships" xmlns:p="http://schemas.openxmlformats.org/presentationml/2006/main">
   <p:cSld>
@@ -3193,8 +3123,8 @@
         </p:blipFill>
         <p:spPr>
           <a:xfrm>
-            <a:off x="129529" y="2572066"/>
-            <a:ext cx="6431291" cy="2679704"/>
+            <a:off x="394847" y="386366"/>
+            <a:ext cx="11173713" cy="4655713"/>
           </a:xfrm>
           <a:prstGeom prst="rect">
             <a:avLst/>
@@ -3209,7 +3139,7 @@
         </p:nvSpPr>
         <p:spPr>
           <a:xfrm>
-            <a:off x="6560820" y="2434590"/>
+            <a:off x="7050218" y="2853153"/>
             <a:ext cx="4766310" cy="1477328"/>
           </a:xfrm>
           <a:prstGeom prst="rect">
@@ -3301,7 +3231,7 @@
           <a:p>
             <a:r>
               <a:rPr lang="en-US" dirty="0" smtClean="0"/>
-              <a:t>GV2GI2: </a:t>
+              <a:t>GV2GI1: </a:t>
             </a:r>
             <a:r>
               <a:rPr lang="en-US" dirty="0" err="1" smtClean="0"/>
@@ -3706,7 +3636,7 @@
         </p:nvSpPr>
         <p:spPr>
           <a:xfrm>
-            <a:off x="655455" y="1343278"/>
+            <a:off x="728733" y="750332"/>
             <a:ext cx="4232134" cy="369332"/>
           </a:xfrm>
           <a:prstGeom prst="rect">
@@ -3728,16 +3658,45 @@
           </a:p>
         </p:txBody>
       </p:sp>
-      <p:sp>
-        <p:nvSpPr>
-          <p:cNvPr id="6" name="TextBox 5"/>
+      <p:pic>
+        <p:nvPicPr>
+          <p:cNvPr id="9" name="Picture 8"/>
+          <p:cNvPicPr>
+            <a:picLocks noChangeAspect="1"/>
+          </p:cNvPicPr>
+          <p:nvPr/>
+        </p:nvPicPr>
+        <p:blipFill rotWithShape="1">
+          <a:blip r:embed="rId2">
+            <a:extLst>
+              <a:ext uri="{28A0092B-C50C-407E-A947-70E740481C1C}">
+                <a14:useLocalDpi xmlns:a14="http://schemas.microsoft.com/office/drawing/2010/main" val="0"/>
+              </a:ext>
+            </a:extLst>
+          </a:blip>
+          <a:srcRect l="51224" t="9287" r="900"/>
+          <a:stretch/>
+        </p:blipFill>
+        <p:spPr>
+          <a:xfrm>
+            <a:off x="348329" y="1310424"/>
+            <a:ext cx="3361537" cy="2547691"/>
+          </a:xfrm>
+          <a:prstGeom prst="rect">
+            <a:avLst/>
+          </a:prstGeom>
+        </p:spPr>
+      </p:pic>
+      <p:sp>
+        <p:nvSpPr>
+          <p:cNvPr id="3" name="TextBox 2"/>
           <p:cNvSpPr txBox="1"/>
           <p:nvPr/>
         </p:nvSpPr>
         <p:spPr>
           <a:xfrm>
-            <a:off x="482600" y="4586836"/>
-            <a:ext cx="2673294" cy="646331"/>
+            <a:off x="3088774" y="5979182"/>
+            <a:ext cx="3230880" cy="646331"/>
           </a:xfrm>
           <a:prstGeom prst="rect">
             <a:avLst/>
@@ -3752,88 +3711,102 @@
           <a:p>
             <a:r>
               <a:rPr lang="en-US" dirty="0" smtClean="0"/>
-              <a:t>Calculation of R0 with our </a:t>
-            </a:r>
-            <a:r>
-              <a:rPr lang="en-US" dirty="0" err="1" smtClean="0"/>
-              <a:t>measuremetns</a:t>
-            </a:r>
-            <a:r>
-              <a:rPr lang="en-US" dirty="0" smtClean="0"/>
-              <a:t>. </a:t>
+              <a:t>Try to redo small intensity measurements….</a:t>
             </a:r>
             <a:endParaRPr lang="en-GB" dirty="0"/>
           </a:p>
         </p:txBody>
       </p:sp>
-      <p:sp>
-        <p:nvSpPr>
-          <p:cNvPr id="7" name="TextBox 6"/>
-          <p:cNvSpPr txBox="1"/>
+      <p:pic>
+        <p:nvPicPr>
+          <p:cNvPr id="11" name="Picture 10"/>
+          <p:cNvPicPr>
+            <a:picLocks noChangeAspect="1"/>
+          </p:cNvPicPr>
           <p:nvPr/>
-        </p:nvSpPr>
-        <p:spPr>
-          <a:xfrm>
-            <a:off x="4203587" y="4586836"/>
-            <a:ext cx="4232134" cy="369332"/>
+        </p:nvPicPr>
+        <p:blipFill>
+          <a:blip r:embed="rId3">
+            <a:extLst>
+              <a:ext uri="{28A0092B-C50C-407E-A947-70E740481C1C}">
+                <a14:useLocalDpi xmlns:a14="http://schemas.microsoft.com/office/drawing/2010/main" val="0"/>
+              </a:ext>
+            </a:extLst>
+          </a:blip>
+          <a:stretch>
+            <a:fillRect/>
+          </a:stretch>
+        </p:blipFill>
+        <p:spPr>
+          <a:xfrm>
+            <a:off x="277046" y="4048875"/>
+            <a:ext cx="2640325" cy="2640325"/>
           </a:xfrm>
           <a:prstGeom prst="rect">
             <a:avLst/>
           </a:prstGeom>
-          <a:noFill/>
-        </p:spPr>
-        <p:txBody>
-          <a:bodyPr wrap="square" rtlCol="0">
-            <a:spAutoFit/>
-          </a:bodyPr>
-          <a:lstStyle/>
-          <a:p>
-            <a:r>
-              <a:rPr lang="en-US" dirty="0" smtClean="0"/>
-              <a:t>Plot of R/R0 vs I</a:t>
-            </a:r>
-            <a:endParaRPr lang="en-GB" dirty="0"/>
-          </a:p>
-        </p:txBody>
-      </p:sp>
-      <p:sp>
-        <p:nvSpPr>
-          <p:cNvPr id="8" name="TextBox 7"/>
-          <p:cNvSpPr txBox="1"/>
+        </p:spPr>
+      </p:pic>
+      <p:pic>
+        <p:nvPicPr>
+          <p:cNvPr id="12" name="Picture 11"/>
+          <p:cNvPicPr>
+            <a:picLocks noChangeAspect="1"/>
+          </p:cNvPicPr>
           <p:nvPr/>
-        </p:nvSpPr>
-        <p:spPr>
-          <a:xfrm>
-            <a:off x="7279911" y="2871324"/>
-            <a:ext cx="4232134" cy="369332"/>
+        </p:nvPicPr>
+        <p:blipFill>
+          <a:blip r:embed="rId4">
+            <a:extLst>
+              <a:ext uri="{28A0092B-C50C-407E-A947-70E740481C1C}">
+                <a14:useLocalDpi xmlns:a14="http://schemas.microsoft.com/office/drawing/2010/main" val="0"/>
+              </a:ext>
+            </a:extLst>
+          </a:blip>
+          <a:stretch>
+            <a:fillRect/>
+          </a:stretch>
+        </p:blipFill>
+        <p:spPr>
+          <a:xfrm>
+            <a:off x="3088774" y="3735977"/>
+            <a:ext cx="2243205" cy="2243205"/>
           </a:xfrm>
           <a:prstGeom prst="rect">
             <a:avLst/>
           </a:prstGeom>
-          <a:noFill/>
-        </p:spPr>
-        <p:txBody>
-          <a:bodyPr wrap="square" rtlCol="0">
-            <a:spAutoFit/>
-          </a:bodyPr>
-          <a:lstStyle/>
-          <a:p>
-            <a:r>
-              <a:rPr lang="en-US" dirty="0" smtClean="0"/>
-              <a:t>Plot </a:t>
-            </a:r>
-            <a:r>
-              <a:rPr lang="en-US" dirty="0" err="1" smtClean="0"/>
-              <a:t>Imeas</a:t>
-            </a:r>
-            <a:r>
-              <a:rPr lang="en-US" dirty="0" smtClean="0"/>
-              <a:t> vs Temperature. </a:t>
-            </a:r>
-            <a:endParaRPr lang="en-GB" dirty="0"/>
-          </a:p>
-        </p:txBody>
-      </p:sp>
+        </p:spPr>
+      </p:pic>
+      <p:pic>
+        <p:nvPicPr>
+          <p:cNvPr id="14" name="Picture 13"/>
+          <p:cNvPicPr>
+            <a:picLocks noChangeAspect="1"/>
+          </p:cNvPicPr>
+          <p:nvPr/>
+        </p:nvPicPr>
+        <p:blipFill>
+          <a:blip r:embed="rId5">
+            <a:extLst>
+              <a:ext uri="{28A0092B-C50C-407E-A947-70E740481C1C}">
+                <a14:useLocalDpi xmlns:a14="http://schemas.microsoft.com/office/drawing/2010/main" val="0"/>
+              </a:ext>
+            </a:extLst>
+          </a:blip>
+          <a:stretch>
+            <a:fillRect/>
+          </a:stretch>
+        </p:blipFill>
+        <p:spPr>
+          <a:xfrm>
+            <a:off x="7204829" y="1809199"/>
+            <a:ext cx="3651075" cy="3651075"/>
+          </a:xfrm>
+          <a:prstGeom prst="rect">
+            <a:avLst/>
+          </a:prstGeom>
+        </p:spPr>
+      </p:pic>
     </p:spTree>
     <p:extLst>
       <p:ext uri="{BB962C8B-B14F-4D97-AF65-F5344CB8AC3E}">
@@ -3888,7 +3861,7 @@
           <a:p>
             <a:r>
               <a:rPr lang="en-US" dirty="0" smtClean="0"/>
-              <a:t>Measurement2: </a:t>
+              <a:t>Measurement3: </a:t>
             </a:r>
             <a:r>
               <a:rPr lang="en-US" dirty="0" err="1" smtClean="0"/>
@@ -3896,7 +3869,7 @@
             </a:r>
             <a:r>
               <a:rPr lang="en-US" dirty="0" smtClean="0"/>
-              <a:t> 40um vacuum</a:t>
+              <a:t> 100um No vacuum</a:t>
             </a:r>
             <a:endParaRPr lang="en-GB" dirty="0"/>
           </a:p>
@@ -3905,7 +3878,7 @@
     </p:spTree>
     <p:extLst>
       <p:ext uri="{BB962C8B-B14F-4D97-AF65-F5344CB8AC3E}">
-        <p14:creationId xmlns:p14="http://schemas.microsoft.com/office/powerpoint/2010/main" val="1888568430"/>
+        <p14:creationId xmlns:p14="http://schemas.microsoft.com/office/powerpoint/2010/main" val="1535180691"/>
       </p:ext>
     </p:extLst>
   </p:cSld>
@@ -3940,8 +3913,8 @@
         </p:nvSpPr>
         <p:spPr>
           <a:xfrm>
-            <a:off x="482600" y="381000"/>
-            <a:ext cx="4724400" cy="369332"/>
+            <a:off x="962951" y="671639"/>
+            <a:ext cx="7905919" cy="1477328"/>
           </a:xfrm>
           <a:prstGeom prst="rect">
             <a:avLst/>
@@ -3956,15 +3929,28 @@
           <a:p>
             <a:r>
               <a:rPr lang="en-US" dirty="0" smtClean="0"/>
-              <a:t>Measurement2: </a:t>
-            </a:r>
-            <a:r>
-              <a:rPr lang="en-US" dirty="0" err="1" smtClean="0"/>
-              <a:t>WAu</a:t>
-            </a:r>
+              <a:t>To do the same with the rest of the Materials. </a:t>
+            </a:r>
+          </a:p>
+          <a:p>
             <a:r>
               <a:rPr lang="en-US" dirty="0" smtClean="0"/>
-              <a:t> 40um vacuum</a:t>
+              <a:t>Carbon (Try) </a:t>
+            </a:r>
+          </a:p>
+          <a:p>
+            <a:r>
+              <a:rPr lang="en-US" dirty="0" smtClean="0"/>
+              <a:t>Tungsten (No gold) </a:t>
+            </a:r>
+          </a:p>
+          <a:p>
+            <a:endParaRPr lang="en-US" dirty="0"/>
+          </a:p>
+          <a:p>
+            <a:r>
+              <a:rPr lang="en-US" dirty="0" smtClean="0"/>
+              <a:t>And the different radiuses if possible. </a:t>
             </a:r>
             <a:endParaRPr lang="en-GB" dirty="0"/>
           </a:p>
@@ -3973,7 +3959,7 @@
     </p:spTree>
     <p:extLst>
       <p:ext uri="{BB962C8B-B14F-4D97-AF65-F5344CB8AC3E}">
-        <p14:creationId xmlns:p14="http://schemas.microsoft.com/office/powerpoint/2010/main" val="2927062195"/>
+        <p14:creationId xmlns:p14="http://schemas.microsoft.com/office/powerpoint/2010/main" val="1223500330"/>
       </p:ext>
     </p:extLst>
   </p:cSld>
@@ -4008,8 +3994,8 @@
         </p:nvSpPr>
         <p:spPr>
           <a:xfrm>
-            <a:off x="482600" y="381000"/>
-            <a:ext cx="4724400" cy="369332"/>
+            <a:off x="598811" y="566443"/>
+            <a:ext cx="8116312" cy="369332"/>
           </a:xfrm>
           <a:prstGeom prst="rect">
             <a:avLst/>
@@ -4024,24 +4010,15 @@
           <a:p>
             <a:r>
               <a:rPr lang="en-US" dirty="0" smtClean="0"/>
-              <a:t>Measurement3: </a:t>
-            </a:r>
-            <a:r>
-              <a:rPr lang="en-US" dirty="0" err="1" smtClean="0"/>
-              <a:t>WAu</a:t>
-            </a:r>
-            <a:r>
-              <a:rPr lang="en-US" dirty="0" smtClean="0"/>
-              <a:t> 100um No vacuum</a:t>
-            </a:r>
-            <a:endParaRPr lang="en-GB" dirty="0"/>
+              <a:t>Effects of vacuum in measurements: Convection and Oxidation</a:t>
+            </a:r>
           </a:p>
         </p:txBody>
       </p:sp>
     </p:spTree>
     <p:extLst>
       <p:ext uri="{BB962C8B-B14F-4D97-AF65-F5344CB8AC3E}">
-        <p14:creationId xmlns:p14="http://schemas.microsoft.com/office/powerpoint/2010/main" val="1535180691"/>
+        <p14:creationId xmlns:p14="http://schemas.microsoft.com/office/powerpoint/2010/main" val="3881613605"/>
       </p:ext>
     </p:extLst>
   </p:cSld>
@@ -4076,8 +4053,8 @@
         </p:nvSpPr>
         <p:spPr>
           <a:xfrm>
-            <a:off x="962951" y="671639"/>
-            <a:ext cx="7905919" cy="1477328"/>
+            <a:off x="776835" y="736375"/>
+            <a:ext cx="2905041" cy="923330"/>
           </a:xfrm>
           <a:prstGeom prst="rect">
             <a:avLst/>
@@ -4092,28 +4069,15 @@
           <a:p>
             <a:r>
               <a:rPr lang="en-US" dirty="0" smtClean="0"/>
-              <a:t>To do the same with the rest of the Materials. </a:t>
-            </a:r>
-          </a:p>
-          <a:p>
+              <a:t>Study of </a:t>
+            </a:r>
+            <a:r>
+              <a:rPr lang="en-US" dirty="0" err="1" smtClean="0"/>
+              <a:t>tao</a:t>
+            </a:r>
             <a:r>
               <a:rPr lang="en-US" dirty="0" smtClean="0"/>
-              <a:t>Carbon (Try) </a:t>
-            </a:r>
-          </a:p>
-          <a:p>
-            <a:r>
-              <a:rPr lang="en-US" dirty="0" smtClean="0"/>
-              <a:t>Tungsten (No gold) </a:t>
-            </a:r>
-          </a:p>
-          <a:p>
-            <a:endParaRPr lang="en-US" dirty="0"/>
-          </a:p>
-          <a:p>
-            <a:r>
-              <a:rPr lang="en-US" dirty="0" smtClean="0"/>
-              <a:t>And the different radiuses if possible. </a:t>
+              <a:t>, how long it takes for intensity to stabilize as function of temperature. </a:t>
             </a:r>
             <a:endParaRPr lang="en-GB" dirty="0"/>
           </a:p>
@@ -4122,66 +4086,7 @@
     </p:spTree>
     <p:extLst>
       <p:ext uri="{BB962C8B-B14F-4D97-AF65-F5344CB8AC3E}">
-        <p14:creationId xmlns:p14="http://schemas.microsoft.com/office/powerpoint/2010/main" val="1223500330"/>
-      </p:ext>
-    </p:extLst>
-  </p:cSld>
-  <p:clrMapOvr>
-    <a:masterClrMapping/>
-  </p:clrMapOvr>
-</p:sld>
-</file>
-
-<file path=ppt/slides/slide9.xml><?xml version="1.0" encoding="utf-8"?>
-<p:sld xmlns:a="http://schemas.openxmlformats.org/drawingml/2006/main" xmlns:r="http://schemas.openxmlformats.org/officeDocument/2006/relationships" xmlns:p="http://schemas.openxmlformats.org/presentationml/2006/main">
-  <p:cSld>
-    <p:spTree>
-      <p:nvGrpSpPr>
-        <p:cNvPr id="1" name=""/>
-        <p:cNvGrpSpPr/>
-        <p:nvPr/>
-      </p:nvGrpSpPr>
-      <p:grpSpPr>
-        <a:xfrm>
-          <a:off x="0" y="0"/>
-          <a:ext cx="0" cy="0"/>
-          <a:chOff x="0" y="0"/>
-          <a:chExt cx="0" cy="0"/>
-        </a:xfrm>
-      </p:grpSpPr>
-      <p:sp>
-        <p:nvSpPr>
-          <p:cNvPr id="4" name="TextBox 3"/>
-          <p:cNvSpPr txBox="1"/>
-          <p:nvPr/>
-        </p:nvSpPr>
-        <p:spPr>
-          <a:xfrm>
-            <a:off x="598811" y="566443"/>
-            <a:ext cx="8116312" cy="369332"/>
-          </a:xfrm>
-          <a:prstGeom prst="rect">
-            <a:avLst/>
-          </a:prstGeom>
-          <a:noFill/>
-        </p:spPr>
-        <p:txBody>
-          <a:bodyPr wrap="square" rtlCol="0">
-            <a:spAutoFit/>
-          </a:bodyPr>
-          <a:lstStyle/>
-          <a:p>
-            <a:r>
-              <a:rPr lang="en-US" dirty="0" smtClean="0"/>
-              <a:t>Effects of vacuum in measurements: Convection and Oxidation</a:t>
-            </a:r>
-          </a:p>
-        </p:txBody>
-      </p:sp>
-    </p:spTree>
-    <p:extLst>
-      <p:ext uri="{BB962C8B-B14F-4D97-AF65-F5344CB8AC3E}">
-        <p14:creationId xmlns:p14="http://schemas.microsoft.com/office/powerpoint/2010/main" val="3881613605"/>
+        <p14:creationId xmlns:p14="http://schemas.microsoft.com/office/powerpoint/2010/main" val="2766290565"/>
       </p:ext>
     </p:extLst>
   </p:cSld>
